--- a/CPSSTeam.pptx
+++ b/CPSSTeam.pptx
@@ -277,7 +277,7 @@
           <a:p>
             <a:fld id="{C0E9848E-359A-5F43-8A3A-1396324DC078}" type="datetimeFigureOut">
               <a:rPr lang="en-US" smtClean="0"/>
-              <a:t>1/21/20</a:t>
+              <a:t>1/22/20</a:t>
             </a:fld>
             <a:endParaRPr lang="en-US"/>
           </a:p>
@@ -475,7 +475,7 @@
           <a:p>
             <a:fld id="{C0E9848E-359A-5F43-8A3A-1396324DC078}" type="datetimeFigureOut">
               <a:rPr lang="en-US" smtClean="0"/>
-              <a:t>1/21/20</a:t>
+              <a:t>1/22/20</a:t>
             </a:fld>
             <a:endParaRPr lang="en-US"/>
           </a:p>
@@ -683,7 +683,7 @@
           <a:p>
             <a:fld id="{C0E9848E-359A-5F43-8A3A-1396324DC078}" type="datetimeFigureOut">
               <a:rPr lang="en-US" smtClean="0"/>
-              <a:t>1/21/20</a:t>
+              <a:t>1/22/20</a:t>
             </a:fld>
             <a:endParaRPr lang="en-US"/>
           </a:p>
@@ -915,7 +915,7 @@
           <a:p>
             <a:fld id="{C0E9848E-359A-5F43-8A3A-1396324DC078}" type="datetimeFigureOut">
               <a:rPr lang="en-US" smtClean="0"/>
-              <a:t>1/21/20</a:t>
+              <a:t>1/22/20</a:t>
             </a:fld>
             <a:endParaRPr lang="en-US"/>
           </a:p>
@@ -1190,7 +1190,7 @@
           <a:p>
             <a:fld id="{C0E9848E-359A-5F43-8A3A-1396324DC078}" type="datetimeFigureOut">
               <a:rPr lang="en-US" smtClean="0"/>
-              <a:t>1/21/20</a:t>
+              <a:t>1/22/20</a:t>
             </a:fld>
             <a:endParaRPr lang="en-US"/>
           </a:p>
@@ -1455,7 +1455,7 @@
           <a:p>
             <a:fld id="{C0E9848E-359A-5F43-8A3A-1396324DC078}" type="datetimeFigureOut">
               <a:rPr lang="en-US" smtClean="0"/>
-              <a:t>1/21/20</a:t>
+              <a:t>1/22/20</a:t>
             </a:fld>
             <a:endParaRPr lang="en-US"/>
           </a:p>
@@ -1867,7 +1867,7 @@
           <a:p>
             <a:fld id="{C0E9848E-359A-5F43-8A3A-1396324DC078}" type="datetimeFigureOut">
               <a:rPr lang="en-US" smtClean="0"/>
-              <a:t>1/21/20</a:t>
+              <a:t>1/22/20</a:t>
             </a:fld>
             <a:endParaRPr lang="en-US"/>
           </a:p>
@@ -2008,7 +2008,7 @@
           <a:p>
             <a:fld id="{C0E9848E-359A-5F43-8A3A-1396324DC078}" type="datetimeFigureOut">
               <a:rPr lang="en-US" smtClean="0"/>
-              <a:t>1/21/20</a:t>
+              <a:t>1/22/20</a:t>
             </a:fld>
             <a:endParaRPr lang="en-US"/>
           </a:p>
@@ -2121,7 +2121,7 @@
           <a:p>
             <a:fld id="{C0E9848E-359A-5F43-8A3A-1396324DC078}" type="datetimeFigureOut">
               <a:rPr lang="en-US" smtClean="0"/>
-              <a:t>1/21/20</a:t>
+              <a:t>1/22/20</a:t>
             </a:fld>
             <a:endParaRPr lang="en-US"/>
           </a:p>
@@ -2432,7 +2432,7 @@
           <a:p>
             <a:fld id="{C0E9848E-359A-5F43-8A3A-1396324DC078}" type="datetimeFigureOut">
               <a:rPr lang="en-US" smtClean="0"/>
-              <a:t>1/21/20</a:t>
+              <a:t>1/22/20</a:t>
             </a:fld>
             <a:endParaRPr lang="en-US"/>
           </a:p>
@@ -2720,7 +2720,7 @@
           <a:p>
             <a:fld id="{C0E9848E-359A-5F43-8A3A-1396324DC078}" type="datetimeFigureOut">
               <a:rPr lang="en-US" smtClean="0"/>
-              <a:t>1/21/20</a:t>
+              <a:t>1/22/20</a:t>
             </a:fld>
             <a:endParaRPr lang="en-US"/>
           </a:p>
@@ -2961,7 +2961,7 @@
           <a:p>
             <a:fld id="{C0E9848E-359A-5F43-8A3A-1396324DC078}" type="datetimeFigureOut">
               <a:rPr lang="en-US" smtClean="0"/>
-              <a:t>1/21/20</a:t>
+              <a:t>1/22/20</a:t>
             </a:fld>
             <a:endParaRPr lang="en-US"/>
           </a:p>
@@ -3522,18 +3522,31 @@
         </p:nvSpPr>
         <p:spPr/>
         <p:txBody>
-          <a:bodyPr/>
+          <a:bodyPr>
+            <a:normAutofit/>
+          </a:bodyPr>
           <a:lstStyle/>
           <a:p>
             <a:r>
               <a:rPr lang="en-US" dirty="0"/>
-              <a:t>  * Define the core message or hypothesis of your project.</a:t>
+              <a:t>  Define the core message or hypothesis of your project.</a:t>
+            </a:r>
+          </a:p>
+          <a:p>
+            <a:pPr lvl="1"/>
+            <a:r>
+              <a:rPr lang="en-US" sz="1400" dirty="0">
+                <a:solidFill>
+                  <a:schemeClr val="accent1"/>
+                </a:solidFill>
+              </a:rPr>
+              <a:t>Legalization of marijuana has a negative impact on opioid deaths</a:t>
             </a:r>
           </a:p>
           <a:p>
             <a:r>
               <a:rPr lang="en-US" dirty="0"/>
-              <a:t>  * Describe the questions you asked, and _</a:t>
+              <a:t>  Describe the questions you asked, and _</a:t>
             </a:r>
             <a:r>
               <a:rPr lang="en-US" i="1" dirty="0"/>
@@ -3545,9 +3558,50 @@
             </a:r>
           </a:p>
           <a:p>
+            <a:pPr lvl="1"/>
+            <a:r>
+              <a:rPr lang="en-US" sz="1400" dirty="0">
+                <a:solidFill>
+                  <a:schemeClr val="accent1"/>
+                </a:solidFill>
+              </a:rPr>
+              <a:t>Which drugs are considered opioids and which have the highest mortality rate?</a:t>
+            </a:r>
+          </a:p>
+          <a:p>
+            <a:pPr lvl="1"/>
+            <a:r>
+              <a:rPr lang="en-US" sz="1400" dirty="0">
+                <a:solidFill>
+                  <a:schemeClr val="accent1"/>
+                </a:solidFill>
+              </a:rPr>
+              <a:t>Which states have the highest opioid drug abuse?</a:t>
+            </a:r>
+          </a:p>
+          <a:p>
+            <a:pPr lvl="1"/>
+            <a:r>
+              <a:rPr lang="en-US" sz="1400" dirty="0">
+                <a:solidFill>
+                  <a:schemeClr val="accent1"/>
+                </a:solidFill>
+              </a:rPr>
+              <a:t>Is there a difference with medical marijuana legalization and recreational marijuana legalization </a:t>
+            </a:r>
+          </a:p>
+          <a:p>
+            <a:pPr lvl="1"/>
+            <a:endParaRPr lang="en-US" sz="1400" dirty="0">
+              <a:solidFill>
+                <a:schemeClr val="accent1"/>
+              </a:solidFill>
+            </a:endParaRPr>
+          </a:p>
+          <a:p>
             <a:r>
               <a:rPr lang="en-US" dirty="0"/>
-              <a:t>  * Describe whether you were able to answer these questions to your satisfaction, and briefly summarize your findings</a:t>
+              <a:t>  Describe whether you were able to answer these questions to your satisfaction, and briefly summarize your findings</a:t>
             </a:r>
           </a:p>
         </p:txBody>

--- a/CPSSTeam.pptx
+++ b/CPSSTeam.pptx
@@ -277,7 +277,7 @@
           <a:p>
             <a:fld id="{C0E9848E-359A-5F43-8A3A-1396324DC078}" type="datetimeFigureOut">
               <a:rPr lang="en-US" smtClean="0"/>
-              <a:t>1/22/20</a:t>
+              <a:t>1/23/20</a:t>
             </a:fld>
             <a:endParaRPr lang="en-US"/>
           </a:p>
@@ -475,7 +475,7 @@
           <a:p>
             <a:fld id="{C0E9848E-359A-5F43-8A3A-1396324DC078}" type="datetimeFigureOut">
               <a:rPr lang="en-US" smtClean="0"/>
-              <a:t>1/22/20</a:t>
+              <a:t>1/23/20</a:t>
             </a:fld>
             <a:endParaRPr lang="en-US"/>
           </a:p>
@@ -683,7 +683,7 @@
           <a:p>
             <a:fld id="{C0E9848E-359A-5F43-8A3A-1396324DC078}" type="datetimeFigureOut">
               <a:rPr lang="en-US" smtClean="0"/>
-              <a:t>1/22/20</a:t>
+              <a:t>1/23/20</a:t>
             </a:fld>
             <a:endParaRPr lang="en-US"/>
           </a:p>
@@ -915,7 +915,7 @@
           <a:p>
             <a:fld id="{C0E9848E-359A-5F43-8A3A-1396324DC078}" type="datetimeFigureOut">
               <a:rPr lang="en-US" smtClean="0"/>
-              <a:t>1/22/20</a:t>
+              <a:t>1/23/20</a:t>
             </a:fld>
             <a:endParaRPr lang="en-US"/>
           </a:p>
@@ -1190,7 +1190,7 @@
           <a:p>
             <a:fld id="{C0E9848E-359A-5F43-8A3A-1396324DC078}" type="datetimeFigureOut">
               <a:rPr lang="en-US" smtClean="0"/>
-              <a:t>1/22/20</a:t>
+              <a:t>1/23/20</a:t>
             </a:fld>
             <a:endParaRPr lang="en-US"/>
           </a:p>
@@ -1455,7 +1455,7 @@
           <a:p>
             <a:fld id="{C0E9848E-359A-5F43-8A3A-1396324DC078}" type="datetimeFigureOut">
               <a:rPr lang="en-US" smtClean="0"/>
-              <a:t>1/22/20</a:t>
+              <a:t>1/23/20</a:t>
             </a:fld>
             <a:endParaRPr lang="en-US"/>
           </a:p>
@@ -1867,7 +1867,7 @@
           <a:p>
             <a:fld id="{C0E9848E-359A-5F43-8A3A-1396324DC078}" type="datetimeFigureOut">
               <a:rPr lang="en-US" smtClean="0"/>
-              <a:t>1/22/20</a:t>
+              <a:t>1/23/20</a:t>
             </a:fld>
             <a:endParaRPr lang="en-US"/>
           </a:p>
@@ -2008,7 +2008,7 @@
           <a:p>
             <a:fld id="{C0E9848E-359A-5F43-8A3A-1396324DC078}" type="datetimeFigureOut">
               <a:rPr lang="en-US" smtClean="0"/>
-              <a:t>1/22/20</a:t>
+              <a:t>1/23/20</a:t>
             </a:fld>
             <a:endParaRPr lang="en-US"/>
           </a:p>
@@ -2121,7 +2121,7 @@
           <a:p>
             <a:fld id="{C0E9848E-359A-5F43-8A3A-1396324DC078}" type="datetimeFigureOut">
               <a:rPr lang="en-US" smtClean="0"/>
-              <a:t>1/22/20</a:t>
+              <a:t>1/23/20</a:t>
             </a:fld>
             <a:endParaRPr lang="en-US"/>
           </a:p>
@@ -2432,7 +2432,7 @@
           <a:p>
             <a:fld id="{C0E9848E-359A-5F43-8A3A-1396324DC078}" type="datetimeFigureOut">
               <a:rPr lang="en-US" smtClean="0"/>
-              <a:t>1/22/20</a:t>
+              <a:t>1/23/20</a:t>
             </a:fld>
             <a:endParaRPr lang="en-US"/>
           </a:p>
@@ -2720,7 +2720,7 @@
           <a:p>
             <a:fld id="{C0E9848E-359A-5F43-8A3A-1396324DC078}" type="datetimeFigureOut">
               <a:rPr lang="en-US" smtClean="0"/>
-              <a:t>1/22/20</a:t>
+              <a:t>1/23/20</a:t>
             </a:fld>
             <a:endParaRPr lang="en-US"/>
           </a:p>
@@ -2961,7 +2961,7 @@
           <a:p>
             <a:fld id="{C0E9848E-359A-5F43-8A3A-1396324DC078}" type="datetimeFigureOut">
               <a:rPr lang="en-US" smtClean="0"/>
-              <a:t>1/22/20</a:t>
+              <a:t>1/23/20</a:t>
             </a:fld>
             <a:endParaRPr lang="en-US"/>
           </a:p>
@@ -3523,7 +3523,7 @@
         <p:spPr/>
         <p:txBody>
           <a:bodyPr>
-            <a:normAutofit/>
+            <a:normAutofit fontScale="92500" lnSpcReduction="10000"/>
           </a:bodyPr>
           <a:lstStyle/>
           <a:p>
@@ -3540,7 +3540,7 @@
                   <a:schemeClr val="accent1"/>
                 </a:solidFill>
               </a:rPr>
-              <a:t>Legalization of marijuana has a negative impact on opioid deaths</a:t>
+              <a:t>States that legalize marijuana see a decrease in opioid deaths</a:t>
             </a:r>
           </a:p>
           <a:p>
@@ -3569,9 +3569,63 @@
             </a:r>
           </a:p>
           <a:p>
+            <a:pPr lvl="2"/>
+            <a:r>
+              <a:rPr lang="en-US" sz="1200" dirty="0">
+                <a:solidFill>
+                  <a:schemeClr val="accent1"/>
+                </a:solidFill>
+              </a:rPr>
+              <a:t>We are looking to define what is considered an opioid</a:t>
+            </a:r>
+          </a:p>
+          <a:p>
+            <a:pPr lvl="2"/>
+            <a:r>
+              <a:rPr lang="en-US" sz="1200" dirty="0">
+                <a:solidFill>
+                  <a:schemeClr val="accent1"/>
+                </a:solidFill>
+              </a:rPr>
+              <a:t>We want to get a clear definition of which drugs to focus on</a:t>
+            </a:r>
+          </a:p>
+          <a:p>
+            <a:pPr lvl="2"/>
+            <a:r>
+              <a:rPr lang="en-US" sz="1200" dirty="0">
+                <a:solidFill>
+                  <a:schemeClr val="accent1"/>
+                </a:solidFill>
+              </a:rPr>
+              <a:t>Which of the opioids are considered most dangerous and lead to the most death </a:t>
+            </a:r>
+          </a:p>
+          <a:p>
+            <a:pPr lvl="2"/>
+            <a:r>
+              <a:rPr lang="en-US" sz="1200" dirty="0">
+                <a:solidFill>
+                  <a:schemeClr val="accent1"/>
+                </a:solidFill>
+              </a:rPr>
+              <a:t>We would like to see if the increases in RX prescription rates have an impact on the mortality rate</a:t>
+            </a:r>
+          </a:p>
+          <a:p>
+            <a:pPr marL="914400" lvl="2" indent="0">
+              <a:buNone/>
+            </a:pPr>
+            <a:endParaRPr lang="en-US" sz="1200" dirty="0">
+              <a:solidFill>
+                <a:schemeClr val="accent1"/>
+              </a:solidFill>
+            </a:endParaRPr>
+          </a:p>
+          <a:p>
             <a:pPr lvl="1"/>
             <a:r>
-              <a:rPr lang="en-US" sz="1400" dirty="0">
+              <a:rPr lang="en-US" sz="1600" dirty="0">
                 <a:solidFill>
                   <a:schemeClr val="accent1"/>
                 </a:solidFill>
@@ -3580,14 +3634,77 @@
             </a:r>
           </a:p>
           <a:p>
+            <a:pPr lvl="2"/>
+            <a:r>
+              <a:rPr lang="en-US" sz="1200" dirty="0">
+                <a:solidFill>
+                  <a:schemeClr val="accent1"/>
+                </a:solidFill>
+              </a:rPr>
+              <a:t>Looking to get a baseline for opioid usage per state</a:t>
+            </a:r>
+          </a:p>
+          <a:p>
+            <a:pPr lvl="2"/>
+            <a:r>
+              <a:rPr lang="en-US" sz="1200" dirty="0">
+                <a:solidFill>
+                  <a:schemeClr val="accent1"/>
+                </a:solidFill>
+              </a:rPr>
+              <a:t>We also want to see if the # of prescriptions in each state affects the # of opioid abuse </a:t>
+            </a:r>
+          </a:p>
+          <a:p>
+            <a:pPr lvl="2"/>
+            <a:r>
+              <a:rPr lang="en-US" sz="1200" dirty="0">
+                <a:solidFill>
+                  <a:schemeClr val="accent1"/>
+                </a:solidFill>
+              </a:rPr>
+              <a:t>Which states have legalized marijuana and when, this will allow us to see if there are changes at a certain point in time of opioid deaths</a:t>
+            </a:r>
+          </a:p>
+          <a:p>
+            <a:pPr lvl="2"/>
+            <a:r>
+              <a:rPr lang="en-US" sz="1200" dirty="0">
+                <a:solidFill>
+                  <a:schemeClr val="accent1"/>
+                </a:solidFill>
+              </a:rPr>
+              <a:t>We would also investigate if there were laws that were enacted that decreased</a:t>
+            </a:r>
+          </a:p>
+          <a:p>
+            <a:pPr lvl="2"/>
+            <a:endParaRPr lang="en-US" sz="1200" dirty="0">
+              <a:solidFill>
+                <a:schemeClr val="accent1"/>
+              </a:solidFill>
+            </a:endParaRPr>
+          </a:p>
+          <a:p>
             <a:pPr lvl="1"/>
             <a:r>
-              <a:rPr lang="en-US" sz="1400" dirty="0">
+              <a:rPr lang="en-US" sz="1600" dirty="0">
                 <a:solidFill>
                   <a:schemeClr val="accent1"/>
                 </a:solidFill>
               </a:rPr>
               <a:t>Is there a difference with medical marijuana legalization and recreational marijuana legalization </a:t>
+            </a:r>
+          </a:p>
+          <a:p>
+            <a:pPr lvl="2"/>
+            <a:r>
+              <a:rPr lang="en-US" sz="1200" dirty="0">
+                <a:solidFill>
+                  <a:schemeClr val="accent1"/>
+                </a:solidFill>
+              </a:rPr>
+              <a:t>We want to test if there is a difference in legalizing medical or recreational. We want to see if both are trending in the same direction or are they negatively correlated since the medical is more controlled and the recreational is less controlled. </a:t>
             </a:r>
           </a:p>
           <a:p>

--- a/CPSSTeam.pptx
+++ b/CPSSTeam.pptx
@@ -277,7 +277,7 @@
           <a:p>
             <a:fld id="{C0E9848E-359A-5F43-8A3A-1396324DC078}" type="datetimeFigureOut">
               <a:rPr lang="en-US" smtClean="0"/>
-              <a:t>1/23/20</a:t>
+              <a:t>1/25/20</a:t>
             </a:fld>
             <a:endParaRPr lang="en-US"/>
           </a:p>
@@ -475,7 +475,7 @@
           <a:p>
             <a:fld id="{C0E9848E-359A-5F43-8A3A-1396324DC078}" type="datetimeFigureOut">
               <a:rPr lang="en-US" smtClean="0"/>
-              <a:t>1/23/20</a:t>
+              <a:t>1/25/20</a:t>
             </a:fld>
             <a:endParaRPr lang="en-US"/>
           </a:p>
@@ -683,7 +683,7 @@
           <a:p>
             <a:fld id="{C0E9848E-359A-5F43-8A3A-1396324DC078}" type="datetimeFigureOut">
               <a:rPr lang="en-US" smtClean="0"/>
-              <a:t>1/23/20</a:t>
+              <a:t>1/25/20</a:t>
             </a:fld>
             <a:endParaRPr lang="en-US"/>
           </a:p>
@@ -915,7 +915,7 @@
           <a:p>
             <a:fld id="{C0E9848E-359A-5F43-8A3A-1396324DC078}" type="datetimeFigureOut">
               <a:rPr lang="en-US" smtClean="0"/>
-              <a:t>1/23/20</a:t>
+              <a:t>1/25/20</a:t>
             </a:fld>
             <a:endParaRPr lang="en-US"/>
           </a:p>
@@ -1190,7 +1190,7 @@
           <a:p>
             <a:fld id="{C0E9848E-359A-5F43-8A3A-1396324DC078}" type="datetimeFigureOut">
               <a:rPr lang="en-US" smtClean="0"/>
-              <a:t>1/23/20</a:t>
+              <a:t>1/25/20</a:t>
             </a:fld>
             <a:endParaRPr lang="en-US"/>
           </a:p>
@@ -1455,7 +1455,7 @@
           <a:p>
             <a:fld id="{C0E9848E-359A-5F43-8A3A-1396324DC078}" type="datetimeFigureOut">
               <a:rPr lang="en-US" smtClean="0"/>
-              <a:t>1/23/20</a:t>
+              <a:t>1/25/20</a:t>
             </a:fld>
             <a:endParaRPr lang="en-US"/>
           </a:p>
@@ -1867,7 +1867,7 @@
           <a:p>
             <a:fld id="{C0E9848E-359A-5F43-8A3A-1396324DC078}" type="datetimeFigureOut">
               <a:rPr lang="en-US" smtClean="0"/>
-              <a:t>1/23/20</a:t>
+              <a:t>1/25/20</a:t>
             </a:fld>
             <a:endParaRPr lang="en-US"/>
           </a:p>
@@ -2008,7 +2008,7 @@
           <a:p>
             <a:fld id="{C0E9848E-359A-5F43-8A3A-1396324DC078}" type="datetimeFigureOut">
               <a:rPr lang="en-US" smtClean="0"/>
-              <a:t>1/23/20</a:t>
+              <a:t>1/25/20</a:t>
             </a:fld>
             <a:endParaRPr lang="en-US"/>
           </a:p>
@@ -2121,7 +2121,7 @@
           <a:p>
             <a:fld id="{C0E9848E-359A-5F43-8A3A-1396324DC078}" type="datetimeFigureOut">
               <a:rPr lang="en-US" smtClean="0"/>
-              <a:t>1/23/20</a:t>
+              <a:t>1/25/20</a:t>
             </a:fld>
             <a:endParaRPr lang="en-US"/>
           </a:p>
@@ -2432,7 +2432,7 @@
           <a:p>
             <a:fld id="{C0E9848E-359A-5F43-8A3A-1396324DC078}" type="datetimeFigureOut">
               <a:rPr lang="en-US" smtClean="0"/>
-              <a:t>1/23/20</a:t>
+              <a:t>1/25/20</a:t>
             </a:fld>
             <a:endParaRPr lang="en-US"/>
           </a:p>
@@ -2720,7 +2720,7 @@
           <a:p>
             <a:fld id="{C0E9848E-359A-5F43-8A3A-1396324DC078}" type="datetimeFigureOut">
               <a:rPr lang="en-US" smtClean="0"/>
-              <a:t>1/23/20</a:t>
+              <a:t>1/25/20</a:t>
             </a:fld>
             <a:endParaRPr lang="en-US"/>
           </a:p>
@@ -2961,7 +2961,7 @@
           <a:p>
             <a:fld id="{C0E9848E-359A-5F43-8A3A-1396324DC078}" type="datetimeFigureOut">
               <a:rPr lang="en-US" smtClean="0"/>
-              <a:t>1/23/20</a:t>
+              <a:t>1/25/20</a:t>
             </a:fld>
             <a:endParaRPr lang="en-US"/>
           </a:p>
@@ -3523,7 +3523,7 @@
         <p:spPr/>
         <p:txBody>
           <a:bodyPr>
-            <a:normAutofit fontScale="92500" lnSpcReduction="10000"/>
+            <a:normAutofit fontScale="92500" lnSpcReduction="20000"/>
           </a:bodyPr>
           <a:lstStyle/>
           <a:p>
@@ -3540,7 +3540,18 @@
                   <a:schemeClr val="accent1"/>
                 </a:solidFill>
               </a:rPr>
-              <a:t>States that legalize marijuana see a decrease in opioid deaths</a:t>
+              <a:t>Ho: States that legalize marijuana do not see a change in # of opioid deaths</a:t>
+            </a:r>
+          </a:p>
+          <a:p>
+            <a:pPr lvl="1"/>
+            <a:r>
+              <a:rPr lang="en-US" sz="1400" dirty="0">
+                <a:solidFill>
+                  <a:schemeClr val="accent1"/>
+                </a:solidFill>
+              </a:rPr>
+              <a:t>Ha: States that legalize marijuana see a change in # of opioid deaths</a:t>
             </a:r>
           </a:p>
           <a:p>

--- a/CPSSTeam.pptx
+++ b/CPSSTeam.pptx
@@ -3540,7 +3540,7 @@
                   <a:schemeClr val="accent1"/>
                 </a:solidFill>
               </a:rPr>
-              <a:t>Ho: States that legalize marijuana do not see a change in # of opioid deaths</a:t>
+              <a:t>Ho: States that legalize marijuana do not see a decrease in the # of opioid deaths</a:t>
             </a:r>
           </a:p>
           <a:p>
@@ -3551,7 +3551,7 @@
                   <a:schemeClr val="accent1"/>
                 </a:solidFill>
               </a:rPr>
-              <a:t>Ha: States that legalize marijuana see a change in # of opioid deaths</a:t>
+              <a:t>Ha: States that legalize marijuana see an increase  in the # of opioid deaths</a:t>
             </a:r>
           </a:p>
           <a:p>
